--- a/mcp-certification-map/images/mcpmap.pptx
+++ b/mcp-certification-map/images/mcpmap.pptx
@@ -5108,15 +5108,7 @@
                     <a:schemeClr val="tx2"/>
                   </a:solidFill>
                 </a:rPr>
-                <a:t> </a:t>
-              </a:r>
-              <a:r>
-                <a:rPr lang="en-US" altLang="ja-JP" sz="1200" b="1">
-                  <a:solidFill>
-                    <a:schemeClr val="tx2"/>
-                  </a:solidFill>
-                </a:rPr>
-                <a:t>Architect Expert</a:t>
+                <a:t> Architect Expert</a:t>
               </a:r>
               <a:endParaRPr kumimoji="1" lang="en-US" altLang="ja-JP" sz="1200" b="1" dirty="0">
                 <a:solidFill>
